--- a/doc/vortrag.pptx
+++ b/doc/vortrag.pptx
@@ -1096,11 +1096,7 @@
           <a:p>
             <a:r>
               <a:rPr lang="de-DE" dirty="0" smtClean="0"/>
-              <a:t>30 min</a:t>
-            </a:r>
-            <a:r>
-              <a:rPr lang="de-DE" baseline="0" dirty="0" smtClean="0"/>
-              <a:t> incl. disc.</a:t>
+              <a:t>25+15 min</a:t>
             </a:r>
             <a:endParaRPr lang="de-DE" dirty="0"/>
           </a:p>
@@ -4128,19 +4124,13 @@
               <a:rPr lang="de-DE" sz="2400" dirty="0" smtClean="0"/>
               <a:t>Zugriff auf Wissensresourcen im Web</a:t>
             </a:r>
-            <a:endParaRPr lang="de-DE" sz="2400" dirty="0" smtClean="0"/>
           </a:p>
           <a:p>
             <a:pPr lvl="1"/>
             <a:r>
               <a:rPr lang="de-DE" sz="2000" dirty="0" smtClean="0"/>
-              <a:t>Webstandards: </a:t>
-            </a:r>
-            <a:r>
-              <a:rPr lang="de-DE" sz="2000" dirty="0" smtClean="0"/>
-              <a:t>HTTP (Zugriffsprotokoll), SPARQL (Anfragesprache)</a:t>
-            </a:r>
-            <a:endParaRPr lang="de-DE" sz="2000" dirty="0" smtClean="0"/>
+              <a:t>Webstandards: HTTP (Zugriffsprotokoll), SPARQL (Anfragesprache)</a:t>
+            </a:r>
           </a:p>
         </p:txBody>
       </p:sp>
@@ -4491,11 +4481,7 @@
             <a:pPr lvl="1"/>
             <a:r>
               <a:rPr lang="de-DE" sz="2000" dirty="0" smtClean="0"/>
-              <a:t>Webstandard</a:t>
-            </a:r>
-            <a:r>
-              <a:rPr lang="de-DE" sz="2000" dirty="0" smtClean="0"/>
-              <a:t>: Web Ontology Language (OWL)</a:t>
+              <a:t>Webstandard: Web Ontology Language (OWL)</a:t>
             </a:r>
             <a:endParaRPr lang="de-DE" sz="2000" dirty="0"/>
           </a:p>
@@ -4671,14 +4657,11 @@
           <a:p>
             <a:r>
               <a:rPr lang="de-DE" dirty="0" smtClean="0"/>
-              <a:t>State of the Art: </a:t>
-            </a:r>
-            <a:br>
+              <a:t>State of the </a:t>
+            </a:r>
+            <a:r>
               <a:rPr lang="de-DE" dirty="0" smtClean="0"/>
-            </a:br>
-            <a:r>
-              <a:rPr lang="de-DE" dirty="0" smtClean="0"/>
-              <a:t>Verknüpfung über Sprachen</a:t>
+              <a:t>Art</a:t>
             </a:r>
             <a:endParaRPr lang="de-DE" dirty="0"/>
           </a:p>
@@ -5422,11 +5405,6 @@
               </a:rPr>
               <a:t>– jeweils ein Annotationsschema</a:t>
             </a:r>
-            <a:endParaRPr lang="de-DE" dirty="0" smtClean="0">
-              <a:solidFill>
-                <a:schemeClr val="accent1"/>
-              </a:solidFill>
-            </a:endParaRPr>
           </a:p>
           <a:p>
             <a:pPr lvl="2"/>
@@ -5434,7 +5412,6 @@
               <a:rPr lang="de-DE" dirty="0" smtClean="0"/>
               <a:t>Klassen sind abstrakte Konzepte</a:t>
             </a:r>
-            <a:endParaRPr lang="de-DE" dirty="0" smtClean="0"/>
           </a:p>
           <a:p>
             <a:pPr lvl="2"/>
@@ -5442,7 +5419,6 @@
               <a:rPr lang="de-DE" dirty="0" smtClean="0"/>
               <a:t>deren Instanzen sind konkrete Annotationen</a:t>
             </a:r>
-            <a:endParaRPr lang="de-DE" dirty="0" smtClean="0"/>
           </a:p>
         </p:txBody>
       </p:sp>
@@ -5617,11 +5593,7 @@
             <a:pPr lvl="2"/>
             <a:r>
               <a:rPr lang="de-DE" dirty="0" smtClean="0"/>
-              <a:t>auf </a:t>
-            </a:r>
-            <a:r>
-              <a:rPr lang="de-DE" dirty="0" smtClean="0"/>
-              <a:t>Basis von Standardisierungsprojekten (GOLD, ISOcat)</a:t>
+              <a:t>auf Basis von Standardisierungsprojekten (GOLD, ISOcat)</a:t>
             </a:r>
           </a:p>
         </p:txBody>
@@ -5773,11 +5745,7 @@
             <a:pPr lvl="1"/>
             <a:r>
               <a:rPr lang="de-DE" dirty="0" smtClean="0"/>
-              <a:t>OLiA </a:t>
-            </a:r>
-            <a:r>
-              <a:rPr lang="de-DE" dirty="0" smtClean="0"/>
-              <a:t>Referenzmodell</a:t>
+              <a:t>OLiA Referenzmodell</a:t>
             </a:r>
             <a:r>
               <a:rPr lang="de-DE" dirty="0" smtClean="0">
@@ -5823,7 +5791,6 @@
               <a:rPr lang="de-DE" dirty="0" smtClean="0"/>
               <a:t>annotations- (theorie-) spezifische Konzepte werden als Subklassen von OLiA-Konzepten definiert</a:t>
             </a:r>
-            <a:endParaRPr lang="de-DE" dirty="0" smtClean="0"/>
           </a:p>
         </p:txBody>
       </p:sp>
@@ -6008,17 +5975,8 @@
             <a:pPr lvl="2"/>
             <a:r>
               <a:rPr lang="de-DE" dirty="0" smtClean="0"/>
-              <a:t>100</a:t>
-            </a:r>
-            <a:r>
-              <a:rPr lang="de-DE" dirty="0" smtClean="0"/>
-              <a:t>+ </a:t>
-            </a:r>
-            <a:r>
-              <a:rPr lang="de-DE" dirty="0" smtClean="0"/>
-              <a:t>Sprachen, v.a. Morphosyntax und Syntax</a:t>
-            </a:r>
-            <a:endParaRPr lang="de-DE" dirty="0" smtClean="0"/>
+              <a:t>100+ Sprachen, v.a. Morphosyntax und Syntax</a:t>
+            </a:r>
           </a:p>
         </p:txBody>
       </p:sp>
@@ -8873,11 +8831,7 @@
           <a:p>
             <a:r>
               <a:rPr lang="de-DE" sz="1000" dirty="0" smtClean="0"/>
-              <a:t>rst:Justify </a:t>
-            </a:r>
-            <a:r>
-              <a:rPr lang="de-DE" sz="1000" dirty="0" smtClean="0"/>
-              <a:t>rdfs:subClassOf olia:Justification .</a:t>
+              <a:t>rst:Justify rdfs:subClassOf olia:Justification .</a:t>
             </a:r>
             <a:endParaRPr lang="de-DE" sz="1000" dirty="0"/>
           </a:p>
@@ -10047,13 +10001,8 @@
             <a:pPr lvl="1"/>
             <a:r>
               <a:rPr lang="de-DE" dirty="0" smtClean="0"/>
-              <a:t>entspricht einem Lexem (Schlagwort im </a:t>
-            </a:r>
-            <a:r>
-              <a:rPr lang="de-DE" dirty="0" smtClean="0"/>
-              <a:t>Wörterbuch)</a:t>
-            </a:r>
-            <a:endParaRPr lang="de-DE" dirty="0" smtClean="0"/>
+              <a:t>entspricht einem Lexem (Schlagwort im Wörterbuch)</a:t>
+            </a:r>
           </a:p>
           <a:p>
             <a:r>
@@ -10080,7 +10029,6 @@
               <a:rPr lang="de-DE" dirty="0" smtClean="0"/>
               <a:t>Wortbedeutung, ggf. mit externer Ontologie/Wissensbasis verknüpft</a:t>
             </a:r>
-            <a:endParaRPr lang="de-DE" dirty="0" smtClean="0"/>
           </a:p>
         </p:txBody>
       </p:sp>
@@ -10861,15 +10809,7 @@
             </a:r>
             <a:r>
               <a:rPr lang="en-US" sz="2000" dirty="0" smtClean="0"/>
-              <a:t>*	</a:t>
-            </a:r>
-            <a:r>
-              <a:rPr lang="en-US" sz="2000" dirty="0" smtClean="0"/>
-              <a:t>PDTB-Format</a:t>
-            </a:r>
-            <a:r>
-              <a:rPr lang="en-US" sz="2000" dirty="0" smtClean="0"/>
-              <a:t>	PDTB 3.0</a:t>
+              <a:t>*	PDTB-Format	PDTB 3.0</a:t>
             </a:r>
           </a:p>
           <a:p>
@@ -11248,8 +11188,8 @@
           </a:p>
         </p:txBody>
       </p:sp>
-      <mc:AlternateContent xmlns:mc="http://schemas.openxmlformats.org/markup-compatibility/2006">
-        <mc:Choice xmlns:a14="http://schemas.microsoft.com/office/drawing/2010/main" Requires="a14">
+      <mc:AlternateContent xmlns:mc="http://schemas.openxmlformats.org/markup-compatibility/2006" xmlns:a14="http://schemas.microsoft.com/office/drawing/2010/main">
+        <mc:Choice Requires="a14">
           <p:sp>
             <p:nvSpPr>
               <p:cNvPr id="3" name="Content Placeholder 2"/>
@@ -11274,19 +11214,7 @@
                 <a:pPr lvl="1"/>
                 <a:r>
                   <a:rPr lang="de-DE" dirty="0" smtClean="0"/>
-                  <a:t>lexikalische </a:t>
-                </a:r>
-                <a:r>
-                  <a:rPr lang="de-DE" dirty="0" smtClean="0"/>
-                  <a:t>Mittel (z.B</a:t>
-                </a:r>
-                <a:r>
-                  <a:rPr lang="de-DE" dirty="0" smtClean="0"/>
-                  <a:t>. Adverbien, Phrasen), </a:t>
-                </a:r>
-                <a:r>
-                  <a:rPr lang="de-DE" dirty="0" smtClean="0"/>
-                  <a:t>um eine </a:t>
+                  <a:t>lexikalische Mittel (z.B. Adverbien, Phrasen), um eine </a:t>
                 </a:r>
                 <a:r>
                   <a:rPr lang="de-DE" i="1" dirty="0" smtClean="0"/>
@@ -11302,13 +11230,8 @@
                 </a:r>
                 <a:r>
                   <a:rPr lang="de-DE" dirty="0" smtClean="0"/>
-                  <a:t>) </a:t>
+                  <a:t>) auszudrücken</a:t>
                 </a:r>
-                <a:r>
-                  <a:rPr lang="de-DE" dirty="0" smtClean="0"/>
-                  <a:t>auszudrücken</a:t>
-                </a:r>
-                <a:endParaRPr lang="de-DE" dirty="0" smtClean="0"/>
               </a:p>
               <a:p>
                 <a:pPr lvl="2"/>
@@ -11394,7 +11317,7 @@
             </p:txBody>
           </p:sp>
         </mc:Choice>
-        <mc:Fallback>
+        <mc:Fallback xmlns="">
           <p:sp>
             <p:nvSpPr>
               <p:cNvPr id="3" name="Content Placeholder 2"/>
@@ -13290,7 +13213,6 @@
               <a:rPr lang="de-DE" sz="1800" dirty="0" smtClean="0"/>
               <a:t>verlustfreie* </a:t>
             </a:r>
-            <a:endParaRPr lang="de-DE" sz="1800" dirty="0" smtClean="0"/>
           </a:p>
           <a:p>
             <a:pPr>
@@ -13315,11 +13237,7 @@
             </a:r>
             <a:r>
               <a:rPr lang="de-DE" sz="1400" dirty="0" smtClean="0"/>
-              <a:t>* </a:t>
-            </a:r>
-            <a:r>
-              <a:rPr lang="de-DE" sz="1400" dirty="0" smtClean="0"/>
-              <a:t>nicht standardisiert</a:t>
+              <a:t>* nicht standardisiert</a:t>
             </a:r>
             <a:endParaRPr lang="de-DE" sz="1400" dirty="0"/>
           </a:p>
@@ -14888,11 +14806,7 @@
             <a:pPr lvl="1"/>
             <a:r>
               <a:rPr lang="de-DE" dirty="0" smtClean="0"/>
-              <a:t>12</a:t>
-            </a:r>
-            <a:r>
-              <a:rPr lang="de-DE" dirty="0" smtClean="0"/>
-              <a:t> Inventorien in Sonderformaten</a:t>
+              <a:t>12 Inventorien in Sonderformaten</a:t>
             </a:r>
             <a:endParaRPr lang="de-DE" dirty="0"/>
           </a:p>
@@ -14902,7 +14816,6 @@
               <a:rPr lang="de-DE" dirty="0" smtClean="0"/>
               <a:t>PDTB, CzedLex, DiscMar</a:t>
             </a:r>
-            <a:endParaRPr lang="de-DE" dirty="0" smtClean="0"/>
           </a:p>
         </p:txBody>
       </p:sp>
@@ -15005,11 +14918,7 @@
           <a:p>
             <a:r>
               <a:rPr lang="de-DE" dirty="0" smtClean="0"/>
-              <a:t>Erfordert nur eine einzige </a:t>
-            </a:r>
-            <a:r>
-              <a:rPr lang="de-DE" dirty="0" smtClean="0"/>
-              <a:t>Abfrage</a:t>
+              <a:t>Erfordert nur eine einzige Abfrage</a:t>
             </a:r>
             <a:endParaRPr lang="de-DE" dirty="0"/>
           </a:p>
@@ -15612,8 +15521,8 @@
           </a:p>
         </p:txBody>
       </p:sp>
-      <mc:AlternateContent xmlns:mc="http://schemas.openxmlformats.org/markup-compatibility/2006">
-        <mc:Choice xmlns:a14="http://schemas.microsoft.com/office/drawing/2010/main" Requires="a14">
+      <mc:AlternateContent xmlns:mc="http://schemas.openxmlformats.org/markup-compatibility/2006" xmlns:a14="http://schemas.microsoft.com/office/drawing/2010/main">
+        <mc:Choice Requires="a14">
           <p:sp>
             <p:nvSpPr>
               <p:cNvPr id="7" name="Content Placeholder 2"/>
@@ -15900,22 +15809,14 @@
                 <a:pPr lvl="1"/>
                 <a:r>
                   <a:rPr lang="de-DE" sz="2000" dirty="0" smtClean="0"/>
-                  <a:t>für einen </a:t>
-                </a:r>
-                <a:r>
-                  <a:rPr lang="de-DE" sz="2000" dirty="0" smtClean="0"/>
-                  <a:t>gegebenen Diskursmarker</a:t>
-                </a:r>
-                <a:r>
-                  <a:rPr lang="de-DE" sz="2000" dirty="0" smtClean="0"/>
-                  <a:t>, bestimme bedeutungsgleiche Marker (z.B. in einer anderen Sprache)</a:t>
+                  <a:t>für einen gegebenen Diskursmarker, bestimme bedeutungsgleiche Marker (z.B. in einer anderen Sprache)</a:t>
                 </a:r>
                 <a:endParaRPr lang="de-DE" sz="2000" dirty="0"/>
               </a:p>
             </p:txBody>
           </p:sp>
         </mc:Choice>
-        <mc:Fallback>
+        <mc:Fallback xmlns="">
           <p:sp>
             <p:nvSpPr>
               <p:cNvPr id="7" name="Content Placeholder 2"/>
@@ -16016,8 +15917,8 @@
           <a:chExt cx="0" cy="0"/>
         </a:xfrm>
       </p:grpSpPr>
-      <mc:AlternateContent xmlns:mc="http://schemas.openxmlformats.org/markup-compatibility/2006">
-        <mc:Choice xmlns:a14="http://schemas.microsoft.com/office/drawing/2010/main" Requires="a14">
+      <mc:AlternateContent xmlns:mc="http://schemas.openxmlformats.org/markup-compatibility/2006" xmlns:a14="http://schemas.microsoft.com/office/drawing/2010/main">
+        <mc:Choice Requires="a14">
           <p:sp>
             <p:nvSpPr>
               <p:cNvPr id="2" name="Title 1"/>
@@ -16056,7 +15957,7 @@
             </p:txBody>
           </p:sp>
         </mc:Choice>
-        <mc:Fallback>
+        <mc:Fallback xmlns="">
           <p:sp>
             <p:nvSpPr>
               <p:cNvPr id="2" name="Title 1"/>
@@ -16702,8 +16603,8 @@
           </a:p>
         </p:txBody>
       </p:sp>
-      <mc:AlternateContent xmlns:mc="http://schemas.openxmlformats.org/markup-compatibility/2006">
-        <mc:Choice xmlns:a14="http://schemas.microsoft.com/office/drawing/2010/main" Requires="a14">
+      <mc:AlternateContent xmlns:mc="http://schemas.openxmlformats.org/markup-compatibility/2006" xmlns:a14="http://schemas.microsoft.com/office/drawing/2010/main">
+        <mc:Choice Requires="a14">
           <p:sp>
             <p:nvSpPr>
               <p:cNvPr id="2" name="Title 1"/>
@@ -16756,7 +16657,7 @@
             </p:txBody>
           </p:sp>
         </mc:Choice>
-        <mc:Fallback>
+        <mc:Fallback xmlns="">
           <p:sp>
             <p:nvSpPr>
               <p:cNvPr id="2" name="Title 1"/>
@@ -17305,19 +17206,7 @@
             <a:pPr lvl="1"/>
             <a:r>
               <a:rPr lang="de-DE" dirty="0" smtClean="0"/>
-              <a:t>DiscMar (englisch): </a:t>
-            </a:r>
-            <a:r>
-              <a:rPr lang="de-DE" dirty="0" smtClean="0"/>
-              <a:t>	</a:t>
-            </a:r>
-            <a:r>
-              <a:rPr lang="de-DE" dirty="0" smtClean="0"/>
-              <a:t>5 </a:t>
-            </a:r>
-            <a:r>
-              <a:rPr lang="de-DE" dirty="0" smtClean="0"/>
-              <a:t>Diskursrelationen</a:t>
+              <a:t>DiscMar (englisch): 	5 Diskursrelationen</a:t>
             </a:r>
           </a:p>
           <a:p>
@@ -17333,11 +17222,7 @@
             </a:pPr>
             <a:r>
               <a:rPr lang="de-DE" dirty="0" smtClean="0"/>
-              <a:t>=&gt; </a:t>
-            </a:r>
-            <a:r>
-              <a:rPr lang="de-DE" dirty="0" smtClean="0"/>
-              <a:t>Subsumptionsinferenz: Erweiterung auf Unterklassen</a:t>
+              <a:t>=&gt; Subsumptionsinferenz: Erweiterung auf Unterklassen</a:t>
             </a:r>
             <a:endParaRPr lang="de-DE" dirty="0"/>
           </a:p>
@@ -17479,8 +17364,8 @@
           </a:p>
         </p:txBody>
       </p:sp>
-      <mc:AlternateContent xmlns:mc="http://schemas.openxmlformats.org/markup-compatibility/2006">
-        <mc:Choice xmlns:a14="http://schemas.microsoft.com/office/drawing/2010/main" Requires="a14">
+      <mc:AlternateContent xmlns:mc="http://schemas.openxmlformats.org/markup-compatibility/2006" xmlns:a14="http://schemas.microsoft.com/office/drawing/2010/main">
+        <mc:Choice Requires="a14">
           <p:sp>
             <p:nvSpPr>
               <p:cNvPr id="2" name="Title 1"/>
@@ -17546,12 +17431,11 @@
                   <a:rPr lang="de-DE" dirty="0"/>
                   <a:t> Deutsch</a:t>
                 </a:r>
-                <a:endParaRPr lang="de-DE" dirty="0"/>
               </a:p>
             </p:txBody>
           </p:sp>
         </mc:Choice>
-        <mc:Fallback>
+        <mc:Fallback xmlns="">
           <p:sp>
             <p:nvSpPr>
               <p:cNvPr id="2" name="Title 1"/>
@@ -17869,8 +17753,8 @@
           </a:p>
         </p:txBody>
       </p:sp>
-      <mc:AlternateContent xmlns:mc="http://schemas.openxmlformats.org/markup-compatibility/2006">
-        <mc:Choice xmlns:a14="http://schemas.microsoft.com/office/drawing/2010/main" Requires="a14">
+      <mc:AlternateContent xmlns:mc="http://schemas.openxmlformats.org/markup-compatibility/2006" xmlns:a14="http://schemas.microsoft.com/office/drawing/2010/main">
+        <mc:Choice Requires="a14">
           <p:sp>
             <p:nvSpPr>
               <p:cNvPr id="2" name="Title 1"/>
@@ -17902,11 +17786,7 @@
                 </a14:m>
                 <a:r>
                   <a:rPr lang="de-DE" dirty="0"/>
-                  <a:t>Relation</a:t>
-                </a:r>
-                <a:r>
-                  <a:rPr lang="de-DE" dirty="0"/>
-                  <a:t> </a:t>
+                  <a:t>Relation </a:t>
                 </a:r>
                 <a14:m>
                   <m:oMath xmlns:m="http://schemas.openxmlformats.org/officeDocument/2006/math">
@@ -17940,7 +17820,7 @@
             </p:txBody>
           </p:sp>
         </mc:Choice>
-        <mc:Fallback>
+        <mc:Fallback xmlns="">
           <p:sp>
             <p:nvSpPr>
               <p:cNvPr id="2" name="Title 1"/>
@@ -18331,8 +18211,8 @@
           </a:p>
         </p:txBody>
       </p:sp>
-      <mc:AlternateContent xmlns:mc="http://schemas.openxmlformats.org/markup-compatibility/2006">
-        <mc:Choice xmlns:a14="http://schemas.microsoft.com/office/drawing/2010/main" Requires="a14">
+      <mc:AlternateContent xmlns:mc="http://schemas.openxmlformats.org/markup-compatibility/2006" xmlns:a14="http://schemas.microsoft.com/office/drawing/2010/main">
+        <mc:Choice Requires="a14">
           <p:sp>
             <p:nvSpPr>
               <p:cNvPr id="3" name="Content Placeholder 2"/>
@@ -18446,7 +18326,7 @@
             </p:txBody>
           </p:sp>
         </mc:Choice>
-        <mc:Fallback>
+        <mc:Fallback xmlns="">
           <p:sp>
             <p:nvSpPr>
               <p:cNvPr id="3" name="Content Placeholder 2"/>
@@ -19173,7 +19053,6 @@
               <a:rPr lang="de-DE" sz="2000" dirty="0" smtClean="0"/>
               <a:t>reflektiert zumindest den Idiolekt des Übersetzers</a:t>
             </a:r>
-            <a:endParaRPr lang="de-DE" sz="2000" dirty="0" smtClean="0"/>
           </a:p>
         </p:txBody>
       </p:sp>
@@ -20044,7 +19923,6 @@
               <a:rPr lang="de-DE" sz="2400" dirty="0" smtClean="0"/>
               <a:t>aligniert mit &gt;100 Sprachen</a:t>
             </a:r>
-            <a:endParaRPr lang="de-DE" sz="2400" dirty="0" smtClean="0"/>
           </a:p>
         </p:txBody>
       </p:sp>
@@ -20252,7 +20130,7 @@
     <mc:Choice Requires="p14">
       <p:transition spd="slow" p14:dur="2000"/>
     </mc:Choice>
-    <mc:Fallback xmlns="" xmlns:p15="http://schemas.microsoft.com/office/powerpoint/2012/main">
+    <mc:Fallback xmlns:p15="http://schemas.microsoft.com/office/powerpoint/2012/main" xmlns="">
       <p:transition spd="slow"/>
     </mc:Fallback>
   </mc:AlternateContent>
@@ -20789,7 +20667,7 @@
     <mc:Choice Requires="p14">
       <p:transition spd="slow" p14:dur="2000"/>
     </mc:Choice>
-    <mc:Fallback xmlns="" xmlns:p15="http://schemas.microsoft.com/office/powerpoint/2012/main">
+    <mc:Fallback xmlns:p15="http://schemas.microsoft.com/office/powerpoint/2012/main" xmlns="">
       <p:transition spd="slow"/>
     </mc:Fallback>
   </mc:AlternateContent>
@@ -21217,7 +21095,7 @@
     <mc:Choice Requires="p14">
       <p:transition spd="slow" p14:dur="2000"/>
     </mc:Choice>
-    <mc:Fallback xmlns="" xmlns:p15="http://schemas.microsoft.com/office/powerpoint/2012/main">
+    <mc:Fallback xmlns:p15="http://schemas.microsoft.com/office/powerpoint/2012/main" xmlns="">
       <p:transition spd="slow"/>
     </mc:Fallback>
   </mc:AlternateContent>
@@ -21614,7 +21492,7 @@
     <mc:Choice Requires="p14">
       <p:transition spd="slow" p14:dur="2000"/>
     </mc:Choice>
-    <mc:Fallback xmlns="" xmlns:p15="http://schemas.microsoft.com/office/powerpoint/2012/main">
+    <mc:Fallback xmlns:p15="http://schemas.microsoft.com/office/powerpoint/2012/main" xmlns="">
       <p:transition spd="slow"/>
     </mc:Fallback>
   </mc:AlternateContent>
@@ -22212,7 +22090,7 @@
     <mc:Choice Requires="p14">
       <p:transition spd="slow" p14:dur="2000"/>
     </mc:Choice>
-    <mc:Fallback xmlns="" xmlns:p15="http://schemas.microsoft.com/office/powerpoint/2012/main">
+    <mc:Fallback xmlns:p15="http://schemas.microsoft.com/office/powerpoint/2012/main" xmlns="">
       <p:transition spd="slow"/>
     </mc:Fallback>
   </mc:AlternateContent>
@@ -22822,7 +22700,7 @@
     <mc:Choice Requires="p14">
       <p:transition spd="slow" p14:dur="2000"/>
     </mc:Choice>
-    <mc:Fallback xmlns="" xmlns:p15="http://schemas.microsoft.com/office/powerpoint/2012/main">
+    <mc:Fallback xmlns:p15="http://schemas.microsoft.com/office/powerpoint/2012/main" xmlns="">
       <p:transition spd="slow"/>
     </mc:Fallback>
   </mc:AlternateContent>
@@ -23384,7 +23262,7 @@
     <mc:Choice Requires="p14">
       <p:transition spd="slow" p14:dur="2000"/>
     </mc:Choice>
-    <mc:Fallback xmlns="" xmlns:p15="http://schemas.microsoft.com/office/powerpoint/2012/main">
+    <mc:Fallback xmlns:p15="http://schemas.microsoft.com/office/powerpoint/2012/main" xmlns="">
       <p:transition spd="slow"/>
     </mc:Fallback>
   </mc:AlternateContent>
@@ -23886,7 +23764,7 @@
     <mc:Choice Requires="p14">
       <p:transition spd="slow" p14:dur="2000"/>
     </mc:Choice>
-    <mc:Fallback xmlns="" xmlns:p15="http://schemas.microsoft.com/office/powerpoint/2012/main">
+    <mc:Fallback xmlns:p15="http://schemas.microsoft.com/office/powerpoint/2012/main" xmlns="">
       <p:transition spd="slow"/>
     </mc:Fallback>
   </mc:AlternateContent>
@@ -25846,7 +25724,6 @@
                 <a:rPr lang="de-DE" sz="1200" dirty="0"/>
                 <a:t>3</a:t>
               </a:r>
-              <a:endParaRPr lang="de-DE" sz="1200" dirty="0"/>
             </a:p>
           </p:txBody>
         </p:sp>
@@ -25877,7 +25754,6 @@
                 <a:rPr lang="de-DE" sz="1200" dirty="0"/>
                 <a:t>0</a:t>
               </a:r>
-              <a:endParaRPr lang="de-DE" sz="1200" dirty="0"/>
             </a:p>
           </p:txBody>
         </p:sp>
@@ -25908,7 +25784,6 @@
                 <a:rPr lang="de-DE" sz="1200" dirty="0"/>
                 <a:t>4</a:t>
               </a:r>
-              <a:endParaRPr lang="de-DE" sz="1200" dirty="0"/>
             </a:p>
           </p:txBody>
         </p:sp>
@@ -26435,13 +26310,8 @@
             <a:pPr lvl="1"/>
             <a:r>
               <a:rPr lang="de-DE" sz="2000" dirty="0" smtClean="0"/>
-              <a:t>Webstandard: Uniform Resource Identifier (URI</a:t>
-            </a:r>
-            <a:r>
-              <a:rPr lang="de-DE" sz="2000" dirty="0" smtClean="0"/>
-              <a:t>)</a:t>
-            </a:r>
-            <a:endParaRPr lang="de-DE" sz="2000" dirty="0" smtClean="0"/>
+              <a:t>Webstandard: Uniform Resource Identifier (URI)</a:t>
+            </a:r>
           </a:p>
         </p:txBody>
       </p:sp>
@@ -27424,8 +27294,8 @@
           </a:p>
         </p:txBody>
       </p:sp>
-      <mc:AlternateContent xmlns:mc="http://schemas.openxmlformats.org/markup-compatibility/2006">
-        <mc:Choice xmlns:a14="http://schemas.microsoft.com/office/drawing/2010/main" Requires="a14">
+      <mc:AlternateContent xmlns:mc="http://schemas.openxmlformats.org/markup-compatibility/2006" xmlns:a14="http://schemas.microsoft.com/office/drawing/2010/main">
+        <mc:Choice Requires="a14">
           <p:sp>
             <p:nvSpPr>
               <p:cNvPr id="5" name="Content Placeholder 4"/>
@@ -27528,7 +27398,7 @@
             </p:txBody>
           </p:sp>
         </mc:Choice>
-        <mc:Fallback>
+        <mc:Fallback xmlns="">
           <p:sp>
             <p:nvSpPr>
               <p:cNvPr id="5" name="Content Placeholder 4"/>
@@ -27631,8 +27501,8 @@
           </a:p>
         </p:txBody>
       </p:sp>
-      <mc:AlternateContent xmlns:mc="http://schemas.openxmlformats.org/markup-compatibility/2006">
-        <mc:Choice xmlns:a14="http://schemas.microsoft.com/office/drawing/2010/main" Requires="a14">
+      <mc:AlternateContent xmlns:mc="http://schemas.openxmlformats.org/markup-compatibility/2006" xmlns:a14="http://schemas.microsoft.com/office/drawing/2010/main">
+        <mc:Choice Requires="a14">
           <p:sp>
             <p:nvSpPr>
               <p:cNvPr id="5" name="Content Placeholder 4"/>
@@ -27847,7 +27717,7 @@
             </p:txBody>
           </p:sp>
         </mc:Choice>
-        <mc:Fallback>
+        <mc:Fallback xmlns="">
           <p:sp>
             <p:nvSpPr>
               <p:cNvPr id="5" name="Content Placeholder 4"/>
@@ -27881,8 +27751,8 @@
           </p:sp>
         </mc:Fallback>
       </mc:AlternateContent>
-      <mc:AlternateContent xmlns:mc="http://schemas.openxmlformats.org/markup-compatibility/2006">
-        <mc:Choice xmlns:a14="http://schemas.microsoft.com/office/drawing/2010/main" Requires="a14">
+      <mc:AlternateContent xmlns:mc="http://schemas.openxmlformats.org/markup-compatibility/2006" xmlns:a14="http://schemas.microsoft.com/office/drawing/2010/main">
+        <mc:Choice Requires="a14">
           <p:sp>
             <p:nvSpPr>
               <p:cNvPr id="2" name="TextBox 1"/>
@@ -27905,6 +27775,7 @@
               </a:bodyPr>
               <a:lstStyle/>
               <a:p>
+                <a:pPr/>
                 <a14:m>
                   <m:oMathPara xmlns:m="http://schemas.openxmlformats.org/officeDocument/2006/math">
                     <m:oMathParaPr>
@@ -27980,7 +27851,7 @@
             </p:txBody>
           </p:sp>
         </mc:Choice>
-        <mc:Fallback>
+        <mc:Fallback xmlns="">
           <p:sp>
             <p:nvSpPr>
               <p:cNvPr id="2" name="TextBox 1"/>
@@ -28088,8 +27959,8 @@
           </a:p>
         </p:txBody>
       </p:sp>
-      <mc:AlternateContent xmlns:mc="http://schemas.openxmlformats.org/markup-compatibility/2006">
-        <mc:Choice xmlns:a14="http://schemas.microsoft.com/office/drawing/2010/main" Requires="a14">
+      <mc:AlternateContent xmlns:mc="http://schemas.openxmlformats.org/markup-compatibility/2006" xmlns:a14="http://schemas.microsoft.com/office/drawing/2010/main">
+        <mc:Choice Requires="a14">
           <p:sp>
             <p:nvSpPr>
               <p:cNvPr id="5" name="Content Placeholder 4"/>
@@ -28304,7 +28175,7 @@
             </p:txBody>
           </p:sp>
         </mc:Choice>
-        <mc:Fallback>
+        <mc:Fallback xmlns="">
           <p:sp>
             <p:nvSpPr>
               <p:cNvPr id="5" name="Content Placeholder 4"/>
@@ -28338,8 +28209,8 @@
           </p:sp>
         </mc:Fallback>
       </mc:AlternateContent>
-      <mc:AlternateContent xmlns:mc="http://schemas.openxmlformats.org/markup-compatibility/2006">
-        <mc:Choice xmlns:a14="http://schemas.microsoft.com/office/drawing/2010/main" Requires="a14">
+      <mc:AlternateContent xmlns:mc="http://schemas.openxmlformats.org/markup-compatibility/2006" xmlns:a14="http://schemas.microsoft.com/office/drawing/2010/main">
+        <mc:Choice Requires="a14">
           <p:sp>
             <p:nvSpPr>
               <p:cNvPr id="2" name="TextBox 1"/>
@@ -28362,6 +28233,7 @@
               </a:bodyPr>
               <a:lstStyle/>
               <a:p>
+                <a:pPr/>
                 <a14:m>
                   <m:oMathPara xmlns:m="http://schemas.openxmlformats.org/officeDocument/2006/math">
                     <m:oMathParaPr>
@@ -28437,7 +28309,7 @@
             </p:txBody>
           </p:sp>
         </mc:Choice>
-        <mc:Fallback>
+        <mc:Fallback xmlns="">
           <p:sp>
             <p:nvSpPr>
               <p:cNvPr id="2" name="TextBox 1"/>
@@ -28545,8 +28417,8 @@
           </a:p>
         </p:txBody>
       </p:sp>
-      <mc:AlternateContent xmlns:mc="http://schemas.openxmlformats.org/markup-compatibility/2006">
-        <mc:Choice xmlns:a14="http://schemas.microsoft.com/office/drawing/2010/main" Requires="a14">
+      <mc:AlternateContent xmlns:mc="http://schemas.openxmlformats.org/markup-compatibility/2006" xmlns:a14="http://schemas.microsoft.com/office/drawing/2010/main">
+        <mc:Choice Requires="a14">
           <p:sp>
             <p:nvSpPr>
               <p:cNvPr id="5" name="Content Placeholder 4"/>
@@ -28749,7 +28621,7 @@
             </p:txBody>
           </p:sp>
         </mc:Choice>
-        <mc:Fallback>
+        <mc:Fallback xmlns="">
           <p:sp>
             <p:nvSpPr>
               <p:cNvPr id="5" name="Content Placeholder 4"/>
@@ -28783,8 +28655,8 @@
           </p:sp>
         </mc:Fallback>
       </mc:AlternateContent>
-      <mc:AlternateContent xmlns:mc="http://schemas.openxmlformats.org/markup-compatibility/2006">
-        <mc:Choice xmlns:a14="http://schemas.microsoft.com/office/drawing/2010/main" Requires="a14">
+      <mc:AlternateContent xmlns:mc="http://schemas.openxmlformats.org/markup-compatibility/2006" xmlns:a14="http://schemas.microsoft.com/office/drawing/2010/main">
+        <mc:Choice Requires="a14">
           <p:sp>
             <p:nvSpPr>
               <p:cNvPr id="2" name="TextBox 1"/>
@@ -28807,6 +28679,7 @@
               </a:bodyPr>
               <a:lstStyle/>
               <a:p>
+                <a:pPr/>
                 <a14:m>
                   <m:oMathPara xmlns:m="http://schemas.openxmlformats.org/officeDocument/2006/math">
                     <m:oMathParaPr>
@@ -28882,7 +28755,7 @@
             </p:txBody>
           </p:sp>
         </mc:Choice>
-        <mc:Fallback>
+        <mc:Fallback xmlns="">
           <p:sp>
             <p:nvSpPr>
               <p:cNvPr id="2" name="TextBox 1"/>
@@ -29750,7 +29623,6 @@
               <a:rPr lang="de-DE" sz="1800" dirty="0" smtClean="0"/>
               <a:t>Verknüpfung mit PDTB-Ontologie</a:t>
             </a:r>
-            <a:endParaRPr lang="de-DE" sz="1800" dirty="0" smtClean="0"/>
           </a:p>
           <a:p>
             <a:pPr lvl="1"/>
@@ -29792,7 +29664,6 @@
               <a:rPr lang="de-DE" sz="1600" dirty="0" smtClean="0"/>
               <a:t>hier am Beispiel des Bayrischen</a:t>
             </a:r>
-            <a:endParaRPr lang="de-DE" sz="1600" dirty="0" smtClean="0"/>
           </a:p>
         </p:txBody>
       </p:sp>
@@ -30024,13 +29895,8 @@
             <a:pPr lvl="1"/>
             <a:r>
               <a:rPr lang="de-DE" sz="2000" dirty="0" smtClean="0"/>
-              <a:t>Webstandard: Uniform Resource Identifier (URI</a:t>
-            </a:r>
-            <a:r>
-              <a:rPr lang="de-DE" sz="2000" dirty="0" smtClean="0"/>
-              <a:t>)</a:t>
-            </a:r>
-            <a:endParaRPr lang="de-DE" sz="2000" dirty="0" smtClean="0"/>
+              <a:t>Webstandard: Uniform Resource Identifier (URI)</a:t>
+            </a:r>
           </a:p>
         </p:txBody>
       </p:sp>
@@ -30286,7 +30152,6 @@
               <a:rPr lang="de-DE" dirty="0"/>
               <a:t>Verknüpfung maschinenlesbarer Diskursmarkerinventorien</a:t>
             </a:r>
-            <a:endParaRPr lang="de-DE" dirty="0"/>
           </a:p>
         </p:txBody>
       </p:sp>
@@ -31198,7 +31063,6 @@
               <a:rPr lang="de-DE" dirty="0" smtClean="0"/>
               <a:t>werden</a:t>
             </a:r>
-            <a:endParaRPr lang="de-DE" dirty="0" smtClean="0"/>
           </a:p>
           <a:p>
             <a:r>
@@ -31232,7 +31096,6 @@
               <a:rPr lang="de-DE" dirty="0" smtClean="0"/>
               <a:t>)</a:t>
             </a:r>
-            <a:endParaRPr lang="de-DE" dirty="0" smtClean="0"/>
           </a:p>
         </p:txBody>
       </p:sp>
@@ -32104,13 +31967,8 @@
             <a:pPr lvl="1"/>
             <a:r>
               <a:rPr lang="de-DE" sz="2000" dirty="0" smtClean="0"/>
-              <a:t>Webstandard: Resource Description Framework (RDF</a:t>
-            </a:r>
-            <a:r>
-              <a:rPr lang="de-DE" sz="2000" dirty="0" smtClean="0"/>
-              <a:t>)</a:t>
-            </a:r>
-            <a:endParaRPr lang="de-DE" sz="2000" dirty="0" smtClean="0"/>
+              <a:t>Webstandard: Resource Description Framework (RDF)</a:t>
+            </a:r>
           </a:p>
         </p:txBody>
       </p:sp>
@@ -32384,19 +32242,13 @@
               <a:rPr lang="de-DE" sz="2400" dirty="0" smtClean="0"/>
               <a:t>Zugriff auf Wissensresourcen im Web</a:t>
             </a:r>
-            <a:endParaRPr lang="de-DE" sz="2400" dirty="0" smtClean="0"/>
           </a:p>
           <a:p>
             <a:pPr lvl="1"/>
             <a:r>
               <a:rPr lang="de-DE" sz="2000" dirty="0" smtClean="0"/>
-              <a:t>Webstandards: </a:t>
-            </a:r>
-            <a:r>
-              <a:rPr lang="de-DE" sz="2000" dirty="0" smtClean="0"/>
-              <a:t>HTTP (Zugriffsprotokoll)</a:t>
-            </a:r>
-            <a:endParaRPr lang="de-DE" sz="2000" dirty="0" smtClean="0"/>
+              <a:t>Webstandards: HTTP (Zugriffsprotokoll)</a:t>
+            </a:r>
           </a:p>
         </p:txBody>
       </p:sp>
